--- a/database/slides/COME TO THE LORD.pptx
+++ b/database/slides/COME TO THE LORD.pptx
@@ -266,10 +266,7 @@
 <file path=ppt/revisionInfo.xml><?xml version="1.0" encoding="utf-8"?>
 <p1510:revInfo xmlns:a="http://schemas.openxmlformats.org/drawingml/2006/main" xmlns:r="http://schemas.openxmlformats.org/officeDocument/2006/relationships" xmlns:p1510="http://schemas.microsoft.com/office/powerpoint/2015/10/main">
   <p1510:revLst>
-    <p1510:client id="{476FFAAF-6413-48AA-887C-AC6AF8C47CC8}" v="5216" dt="2023-07-16T17:50:04.001"/>
-    <p1510:client id="{77FD721E-EDD3-45D9-B091-C3425ED7B9A8}" v="3538" dt="2023-07-22T14:26:35.742"/>
-    <p1510:client id="{79947C0B-2D0F-490D-A275-B89295A3A77F}" v="1301" dt="2023-07-22T17:23:32.219"/>
-    <p1510:client id="{9B0782E4-E1D9-4757-8BFE-7B77208F2854}" v="23968" dt="2023-07-15T22:00:08.854"/>
+    <p1510:client id="{9B0782E4-E1D9-4757-8BFE-7B77208F2854}" v="4607" dt="2023-07-15T18:25:38.749"/>
     <p1510:client id="{C6935B40-2631-408D-B708-E82C624CA34A}" v="14" dt="2023-06-08T07:05:58.114"/>
   </p1510:revLst>
 </p1510:revInfo>
@@ -768,10 +765,10 @@
               <a:buNone/>
             </a:pPr>
             <a:r>
-              <a:rPr lang="en-US"/>
+              <a:rPr lang="en-US" dirty="0"/>
               <a:t>RECEIPPT-TAGS:OFFERTORY</a:t>
             </a:r>
-            <a:endParaRPr/>
+            <a:endParaRPr dirty="0"/>
           </a:p>
         </p:txBody>
       </p:sp>
@@ -819,7 +816,7 @@
     </p:spTree>
     <p:extLst>
       <p:ext uri="{BB962C8B-B14F-4D97-AF65-F5344CB8AC3E}">
-        <p14:creationId xmlns:p14="http://schemas.microsoft.com/office/powerpoint/2010/main" val="246150630"/>
+        <p14:creationId xmlns:p14="http://schemas.microsoft.com/office/powerpoint/2010/main" val="308016153"/>
       </p:ext>
     </p:extLst>
   </p:cSld>
@@ -834,7 +831,13 @@
   <p:cSld>
     <p:spTree>
       <p:nvGrpSpPr>
-        <p:cNvPr id="1" name="Shape 125"/>
+        <p:cNvPr id="1" name="Shape 125">
+          <a:extLst>
+            <a:ext uri="{FF2B5EF4-FFF2-40B4-BE49-F238E27FC236}">
+              <a16:creationId xmlns:a16="http://schemas.microsoft.com/office/drawing/2014/main" id="{FAE0107F-948B-99BD-1028-D814F6BEF595}"/>
+            </a:ext>
+          </a:extLst>
+        </p:cNvPr>
         <p:cNvGrpSpPr/>
         <p:nvPr/>
       </p:nvGrpSpPr>
@@ -848,7 +851,13 @@
       </p:grpSpPr>
       <p:sp>
         <p:nvSpPr>
-          <p:cNvPr id="126" name="Google Shape;126;g24f3f32051f_0_87:notes"/>
+          <p:cNvPr id="126" name="Google Shape;126;g24f3f32051f_0_87:notes">
+            <a:extLst>
+              <a:ext uri="{FF2B5EF4-FFF2-40B4-BE49-F238E27FC236}">
+                <a16:creationId xmlns:a16="http://schemas.microsoft.com/office/drawing/2014/main" id="{191D739E-D0E6-F8A6-BE8A-6CA27EDA8EC7}"/>
+              </a:ext>
+            </a:extLst>
+          </p:cNvPr>
           <p:cNvSpPr txBox="1">
             <a:spLocks noGrp="1"/>
           </p:cNvSpPr>
@@ -880,13 +889,19 @@
               </a:spcAft>
               <a:buNone/>
             </a:pPr>
-            <a:endParaRPr/>
+            <a:endParaRPr dirty="0"/>
           </a:p>
         </p:txBody>
       </p:sp>
       <p:sp>
         <p:nvSpPr>
-          <p:cNvPr id="127" name="Google Shape;127;g24f3f32051f_0_87:notes"/>
+          <p:cNvPr id="127" name="Google Shape;127;g24f3f32051f_0_87:notes">
+            <a:extLst>
+              <a:ext uri="{FF2B5EF4-FFF2-40B4-BE49-F238E27FC236}">
+                <a16:creationId xmlns:a16="http://schemas.microsoft.com/office/drawing/2014/main" id="{16BE227D-5CF1-3439-691D-DDE9BC56ABF3}"/>
+              </a:ext>
+            </a:extLst>
+          </p:cNvPr>
           <p:cNvSpPr>
             <a:spLocks noGrp="1" noRot="1" noChangeAspect="1"/>
           </p:cNvSpPr>
@@ -928,7 +943,7 @@
     </p:spTree>
     <p:extLst>
       <p:ext uri="{BB962C8B-B14F-4D97-AF65-F5344CB8AC3E}">
-        <p14:creationId xmlns:p14="http://schemas.microsoft.com/office/powerpoint/2010/main" val="3364704225"/>
+        <p14:creationId xmlns:p14="http://schemas.microsoft.com/office/powerpoint/2010/main" val="1430088441"/>
       </p:ext>
     </p:extLst>
   </p:cSld>
@@ -943,7 +958,13 @@
   <p:cSld>
     <p:spTree>
       <p:nvGrpSpPr>
-        <p:cNvPr id="1" name="Shape 125"/>
+        <p:cNvPr id="1" name="Shape 125">
+          <a:extLst>
+            <a:ext uri="{FF2B5EF4-FFF2-40B4-BE49-F238E27FC236}">
+              <a16:creationId xmlns:a16="http://schemas.microsoft.com/office/drawing/2014/main" id="{91B3B93A-42D3-A53B-393E-68CD5A801E9D}"/>
+            </a:ext>
+          </a:extLst>
+        </p:cNvPr>
         <p:cNvGrpSpPr/>
         <p:nvPr/>
       </p:nvGrpSpPr>
@@ -957,7 +978,13 @@
       </p:grpSpPr>
       <p:sp>
         <p:nvSpPr>
-          <p:cNvPr id="126" name="Google Shape;126;g24f3f32051f_0_87:notes"/>
+          <p:cNvPr id="126" name="Google Shape;126;g24f3f32051f_0_87:notes">
+            <a:extLst>
+              <a:ext uri="{FF2B5EF4-FFF2-40B4-BE49-F238E27FC236}">
+                <a16:creationId xmlns:a16="http://schemas.microsoft.com/office/drawing/2014/main" id="{4C00DB67-D5CE-0104-A490-025ABA603FFB}"/>
+              </a:ext>
+            </a:extLst>
+          </p:cNvPr>
           <p:cNvSpPr txBox="1">
             <a:spLocks noGrp="1"/>
           </p:cNvSpPr>
@@ -989,13 +1016,19 @@
               </a:spcAft>
               <a:buNone/>
             </a:pPr>
-            <a:endParaRPr/>
+            <a:endParaRPr dirty="0"/>
           </a:p>
         </p:txBody>
       </p:sp>
       <p:sp>
         <p:nvSpPr>
-          <p:cNvPr id="127" name="Google Shape;127;g24f3f32051f_0_87:notes"/>
+          <p:cNvPr id="127" name="Google Shape;127;g24f3f32051f_0_87:notes">
+            <a:extLst>
+              <a:ext uri="{FF2B5EF4-FFF2-40B4-BE49-F238E27FC236}">
+                <a16:creationId xmlns:a16="http://schemas.microsoft.com/office/drawing/2014/main" id="{8662BD68-BF38-A8EE-4598-FAA4717B79B2}"/>
+              </a:ext>
+            </a:extLst>
+          </p:cNvPr>
           <p:cNvSpPr>
             <a:spLocks noGrp="1" noRot="1" noChangeAspect="1"/>
           </p:cNvSpPr>
@@ -1037,7 +1070,7 @@
     </p:spTree>
     <p:extLst>
       <p:ext uri="{BB962C8B-B14F-4D97-AF65-F5344CB8AC3E}">
-        <p14:creationId xmlns:p14="http://schemas.microsoft.com/office/powerpoint/2010/main" val="270921053"/>
+        <p14:creationId xmlns:p14="http://schemas.microsoft.com/office/powerpoint/2010/main" val="3106143456"/>
       </p:ext>
     </p:extLst>
   </p:cSld>
@@ -15677,16 +15710,11 @@
             <a:r>
               <a:rPr lang="en-GB" sz="3200" b="1" u="sng" dirty="0">
                 <a:solidFill>
-                  <a:schemeClr val="lt1"/>
+                  <a:schemeClr val="bg1"/>
                 </a:solidFill>
               </a:rPr>
               <a:t>COME TO THE LORD</a:t>
             </a:r>
-            <a:endParaRPr lang="en-US" dirty="0">
-              <a:solidFill>
-                <a:schemeClr val="lt1"/>
-              </a:solidFill>
-            </a:endParaRPr>
           </a:p>
         </p:txBody>
       </p:sp>
@@ -15720,9 +15748,15 @@
           <a:lstStyle/>
           <a:p>
             <a:pPr marL="114300" indent="0">
-              <a:spcBef>
-                <a:spcPts val="0"/>
-              </a:spcBef>
+              <a:lnSpc>
+                <a:spcPct val="100000"/>
+              </a:lnSpc>
+              <a:spcBef>
+                <a:spcPct val="0"/>
+              </a:spcBef>
+              <a:spcAft>
+                <a:spcPct val="0"/>
+              </a:spcAft>
               <a:buNone/>
             </a:pPr>
             <a:r>
@@ -15730,15 +15764,24 @@
                 <a:solidFill>
                   <a:schemeClr val="bg1"/>
                 </a:solidFill>
+                <a:latin typeface="Calibri" panose="020F0502020204030204" pitchFamily="34" charset="0"/>
+                <a:ea typeface="Calibri" panose="020F0502020204030204" pitchFamily="34" charset="0"/>
+                <a:cs typeface="Calibri" panose="020F0502020204030204" pitchFamily="34" charset="0"/>
               </a:rPr>
               <a:t>Come to the Lord; come join us in this offering,</a:t>
             </a:r>
           </a:p>
           <a:p>
             <a:pPr marL="114300" indent="0">
-              <a:spcBef>
-                <a:spcPts val="0"/>
-              </a:spcBef>
+              <a:lnSpc>
+                <a:spcPct val="100000"/>
+              </a:lnSpc>
+              <a:spcBef>
+                <a:spcPct val="0"/>
+              </a:spcBef>
+              <a:spcAft>
+                <a:spcPct val="0"/>
+              </a:spcAft>
               <a:buNone/>
             </a:pPr>
             <a:r>
@@ -15746,15 +15789,24 @@
                 <a:solidFill>
                   <a:schemeClr val="bg1"/>
                 </a:solidFill>
+                <a:latin typeface="Calibri" panose="020F0502020204030204" pitchFamily="34" charset="0"/>
+                <a:ea typeface="Calibri" panose="020F0502020204030204" pitchFamily="34" charset="0"/>
+                <a:cs typeface="Calibri" panose="020F0502020204030204" pitchFamily="34" charset="0"/>
               </a:rPr>
               <a:t>Come to the Lord; come with us as we go.</a:t>
             </a:r>
           </a:p>
           <a:p>
             <a:pPr marL="114300" indent="0">
-              <a:spcBef>
-                <a:spcPts val="0"/>
-              </a:spcBef>
+              <a:lnSpc>
+                <a:spcPct val="100000"/>
+              </a:lnSpc>
+              <a:spcBef>
+                <a:spcPct val="0"/>
+              </a:spcBef>
+              <a:spcAft>
+                <a:spcPct val="0"/>
+              </a:spcAft>
               <a:buNone/>
             </a:pPr>
             <a:r>
@@ -15762,57 +15814,46 @@
                 <a:solidFill>
                   <a:schemeClr val="bg1"/>
                 </a:solidFill>
+                <a:latin typeface="Calibri" panose="020F0502020204030204" pitchFamily="34" charset="0"/>
+                <a:ea typeface="Calibri" panose="020F0502020204030204" pitchFamily="34" charset="0"/>
+                <a:cs typeface="Calibri" panose="020F0502020204030204" pitchFamily="34" charset="0"/>
               </a:rPr>
-              <a:t>Come to the Lord; this bread and wine we offer him,</a:t>
+              <a:t>Come to the Lord; this bread and wine we offer him, Bread for his body, wine to be his blood.</a:t>
             </a:r>
           </a:p>
           <a:p>
             <a:pPr marL="114300" indent="0">
-              <a:spcBef>
-                <a:spcPts val="0"/>
-              </a:spcBef>
+              <a:lnSpc>
+                <a:spcPct val="100000"/>
+              </a:lnSpc>
+              <a:spcBef>
+                <a:spcPct val="0"/>
+              </a:spcBef>
+              <a:spcAft>
+                <a:spcPct val="0"/>
+              </a:spcAft>
               <a:buNone/>
             </a:pPr>
-            <a:r>
-              <a:rPr lang="en-GB" sz="3600" b="1" i="1" dirty="0">
-                <a:solidFill>
-                  <a:schemeClr val="bg1"/>
-                </a:solidFill>
-              </a:rPr>
-              <a:t>Bread for his body, wine to be his blood.</a:t>
-            </a:r>
-          </a:p>
-          <a:p>
-            <a:pPr marL="114300" indent="0">
-              <a:spcBef>
-                <a:spcPts val="0"/>
-              </a:spcBef>
-              <a:buNone/>
-            </a:pPr>
-            <a:endParaRPr lang="en-GB" sz="3600" b="1" i="1" dirty="0">
+            <a:endParaRPr lang="en-GB" sz="3600" b="1" dirty="0">
               <a:solidFill>
                 <a:schemeClr val="bg1"/>
               </a:solidFill>
+              <a:latin typeface="Calibri" panose="020F0502020204030204" pitchFamily="34" charset="0"/>
+              <a:ea typeface="Calibri" panose="020F0502020204030204" pitchFamily="34" charset="0"/>
+              <a:cs typeface="Calibri" panose="020F0502020204030204" pitchFamily="34" charset="0"/>
             </a:endParaRPr>
           </a:p>
           <a:p>
             <a:pPr marL="114300" indent="0">
-              <a:spcBef>
-                <a:spcPts val="0"/>
-              </a:spcBef>
-              <a:buNone/>
-            </a:pPr>
-            <a:endParaRPr lang="en-GB" sz="3600" b="1" i="1" dirty="0">
-              <a:solidFill>
-                <a:schemeClr val="bg1"/>
-              </a:solidFill>
-            </a:endParaRPr>
-          </a:p>
-          <a:p>
-            <a:pPr marL="114300" indent="0">
-              <a:spcBef>
-                <a:spcPts val="0"/>
-              </a:spcBef>
+              <a:lnSpc>
+                <a:spcPct val="100000"/>
+              </a:lnSpc>
+              <a:spcBef>
+                <a:spcPct val="0"/>
+              </a:spcBef>
+              <a:spcAft>
+                <a:spcPct val="0"/>
+              </a:spcAft>
               <a:buNone/>
             </a:pPr>
             <a:r>
@@ -15820,20 +15861,24 @@
                 <a:solidFill>
                   <a:schemeClr val="bg1"/>
                 </a:solidFill>
+                <a:latin typeface="Calibri" panose="020F0502020204030204" pitchFamily="34" charset="0"/>
+                <a:ea typeface="Calibri" panose="020F0502020204030204" pitchFamily="34" charset="0"/>
+                <a:cs typeface="Calibri" panose="020F0502020204030204" pitchFamily="34" charset="0"/>
               </a:rPr>
               <a:t>He is our maker, he is our God,</a:t>
             </a:r>
-            <a:endParaRPr lang="en-GB" sz="3600" b="1" i="1" dirty="0">
-              <a:solidFill>
-                <a:schemeClr val="bg1"/>
-              </a:solidFill>
-            </a:endParaRPr>
           </a:p>
           <a:p>
             <a:pPr marL="114300" indent="0">
-              <a:spcBef>
-                <a:spcPts val="0"/>
-              </a:spcBef>
+              <a:lnSpc>
+                <a:spcPct val="100000"/>
+              </a:lnSpc>
+              <a:spcBef>
+                <a:spcPct val="0"/>
+              </a:spcBef>
+              <a:spcAft>
+                <a:spcPct val="0"/>
+              </a:spcAft>
               <a:buNone/>
             </a:pPr>
             <a:r>
@@ -15841,27 +15886,37 @@
                 <a:solidFill>
                   <a:schemeClr val="bg1"/>
                 </a:solidFill>
+                <a:latin typeface="Calibri" panose="020F0502020204030204" pitchFamily="34" charset="0"/>
+                <a:ea typeface="Calibri" panose="020F0502020204030204" pitchFamily="34" charset="0"/>
+                <a:cs typeface="Calibri" panose="020F0502020204030204" pitchFamily="34" charset="0"/>
               </a:rPr>
-              <a:t>He is our Father; he is our Saviour and our Lord.</a:t>
+              <a:t>He is our Father; he is our Saviour </a:t>
             </a:r>
-            <a:endParaRPr lang="en-GB" sz="3600" b="1" i="1" dirty="0">
-              <a:solidFill>
-                <a:schemeClr val="bg1"/>
-              </a:solidFill>
-            </a:endParaRPr>
           </a:p>
           <a:p>
             <a:pPr marL="114300" indent="0">
-              <a:spcBef>
-                <a:spcPts val="0"/>
-              </a:spcBef>
+              <a:lnSpc>
+                <a:spcPct val="100000"/>
+              </a:lnSpc>
+              <a:spcBef>
+                <a:spcPct val="0"/>
+              </a:spcBef>
+              <a:spcAft>
+                <a:spcPct val="0"/>
+              </a:spcAft>
               <a:buNone/>
             </a:pPr>
-            <a:endParaRPr lang="en-GB" sz="3600" b="1" i="1" dirty="0">
-              <a:solidFill>
-                <a:schemeClr val="bg1"/>
-              </a:solidFill>
-            </a:endParaRPr>
+            <a:r>
+              <a:rPr lang="en-GB" sz="3600" b="1" dirty="0">
+                <a:solidFill>
+                  <a:schemeClr val="bg1"/>
+                </a:solidFill>
+                <a:latin typeface="Calibri" panose="020F0502020204030204" pitchFamily="34" charset="0"/>
+                <a:ea typeface="Calibri" panose="020F0502020204030204" pitchFamily="34" charset="0"/>
+                <a:cs typeface="Calibri" panose="020F0502020204030204" pitchFamily="34" charset="0"/>
+              </a:rPr>
+              <a:t>and our Lord.</a:t>
+            </a:r>
           </a:p>
         </p:txBody>
       </p:sp>
@@ -15890,19 +15945,11 @@
           </a:bodyPr>
           <a:lstStyle/>
           <a:p>
-            <a:pPr marL="0" lvl="0" indent="0" algn="l" rtl="0">
-              <a:spcBef>
-                <a:spcPts val="0"/>
-              </a:spcBef>
-              <a:spcAft>
-                <a:spcPts val="0"/>
-              </a:spcAft>
+            <a:pPr>
               <a:buClr>
                 <a:schemeClr val="lt1"/>
               </a:buClr>
               <a:buSzPts val="3200"/>
-              <a:buFont typeface="Arial"/>
-              <a:buNone/>
             </a:pPr>
             <a:r>
               <a:rPr lang="en-GB" sz="3600" b="1" i="1" dirty="0">
@@ -15912,16 +15959,23 @@
                 <a:latin typeface="Calibri"/>
                 <a:ea typeface="Calibri"/>
                 <a:cs typeface="Calibri"/>
+                <a:sym typeface="Calibri"/>
               </a:rPr>
               <a:t>contd..</a:t>
             </a:r>
+            <a:endParaRPr lang="en-GB" sz="3600" dirty="0">
+              <a:latin typeface="Calibri"/>
+              <a:ea typeface="Calibri"/>
+              <a:cs typeface="Calibri"/>
+              <a:sym typeface="Calibri"/>
+            </a:endParaRPr>
           </a:p>
         </p:txBody>
       </p:sp>
     </p:spTree>
     <p:extLst>
       <p:ext uri="{BB962C8B-B14F-4D97-AF65-F5344CB8AC3E}">
-        <p14:creationId xmlns:p14="http://schemas.microsoft.com/office/powerpoint/2010/main" val="69778554"/>
+        <p14:creationId xmlns:p14="http://schemas.microsoft.com/office/powerpoint/2010/main" val="3675278788"/>
       </p:ext>
     </p:extLst>
   </p:cSld>
@@ -15944,7 +15998,13 @@
     </p:bg>
     <p:spTree>
       <p:nvGrpSpPr>
-        <p:cNvPr id="1" name="Shape 128"/>
+        <p:cNvPr id="1" name="Shape 128">
+          <a:extLst>
+            <a:ext uri="{FF2B5EF4-FFF2-40B4-BE49-F238E27FC236}">
+              <a16:creationId xmlns:a16="http://schemas.microsoft.com/office/drawing/2014/main" id="{1BF7A7C6-B513-4FAE-31D5-138D36D2EAE7}"/>
+            </a:ext>
+          </a:extLst>
+        </p:cNvPr>
         <p:cNvGrpSpPr/>
         <p:nvPr/>
       </p:nvGrpSpPr>
@@ -15958,7 +16018,13 @@
       </p:grpSpPr>
       <p:sp>
         <p:nvSpPr>
-          <p:cNvPr id="129" name="Google Shape;129;p25"/>
+          <p:cNvPr id="129" name="Google Shape;129;p25">
+            <a:extLst>
+              <a:ext uri="{FF2B5EF4-FFF2-40B4-BE49-F238E27FC236}">
+                <a16:creationId xmlns:a16="http://schemas.microsoft.com/office/drawing/2014/main" id="{B8684ADE-C410-23C1-2909-DFE44381083E}"/>
+              </a:ext>
+            </a:extLst>
+          </p:cNvPr>
           <p:cNvSpPr txBox="1">
             <a:spLocks noGrp="1"/>
           </p:cNvSpPr>
@@ -15989,22 +16055,23 @@
             <a:r>
               <a:rPr lang="en-GB" sz="3200" b="1" u="sng" dirty="0">
                 <a:solidFill>
-                  <a:schemeClr val="lt1"/>
+                  <a:schemeClr val="bg1"/>
                 </a:solidFill>
               </a:rPr>
               <a:t>COME TO THE LORD</a:t>
             </a:r>
-            <a:endParaRPr lang="en-US" dirty="0">
-              <a:solidFill>
-                <a:schemeClr val="lt1"/>
-              </a:solidFill>
-            </a:endParaRPr>
           </a:p>
         </p:txBody>
       </p:sp>
       <p:sp>
         <p:nvSpPr>
-          <p:cNvPr id="130" name="Google Shape;130;p25"/>
+          <p:cNvPr id="130" name="Google Shape;130;p25">
+            <a:extLst>
+              <a:ext uri="{FF2B5EF4-FFF2-40B4-BE49-F238E27FC236}">
+                <a16:creationId xmlns:a16="http://schemas.microsoft.com/office/drawing/2014/main" id="{CEBAEFC2-7811-441F-F84E-2FD88E2A9263}"/>
+              </a:ext>
+            </a:extLst>
+          </p:cNvPr>
           <p:cNvSpPr txBox="1">
             <a:spLocks noGrp="1"/>
           </p:cNvSpPr>
@@ -16032,9 +16099,15 @@
           <a:lstStyle/>
           <a:p>
             <a:pPr marL="114300" indent="0">
-              <a:spcBef>
-                <a:spcPts val="0"/>
-              </a:spcBef>
+              <a:lnSpc>
+                <a:spcPct val="100000"/>
+              </a:lnSpc>
+              <a:spcBef>
+                <a:spcPct val="0"/>
+              </a:spcBef>
+              <a:spcAft>
+                <a:spcPct val="0"/>
+              </a:spcAft>
               <a:buNone/>
             </a:pPr>
             <a:r>
@@ -16042,15 +16115,24 @@
                 <a:solidFill>
                   <a:schemeClr val="bg1"/>
                 </a:solidFill>
+                <a:latin typeface="Calibri" panose="020F0502020204030204" pitchFamily="34" charset="0"/>
+                <a:ea typeface="Calibri" panose="020F0502020204030204" pitchFamily="34" charset="0"/>
+                <a:cs typeface="Calibri" panose="020F0502020204030204" pitchFamily="34" charset="0"/>
               </a:rPr>
               <a:t>Come to the Lord; come join us in this offering,</a:t>
             </a:r>
           </a:p>
           <a:p>
             <a:pPr marL="114300" indent="0">
-              <a:spcBef>
-                <a:spcPts val="0"/>
-              </a:spcBef>
+              <a:lnSpc>
+                <a:spcPct val="100000"/>
+              </a:lnSpc>
+              <a:spcBef>
+                <a:spcPct val="0"/>
+              </a:spcBef>
+              <a:spcAft>
+                <a:spcPct val="0"/>
+              </a:spcAft>
               <a:buNone/>
             </a:pPr>
             <a:r>
@@ -16058,15 +16140,24 @@
                 <a:solidFill>
                   <a:schemeClr val="bg1"/>
                 </a:solidFill>
+                <a:latin typeface="Calibri" panose="020F0502020204030204" pitchFamily="34" charset="0"/>
+                <a:ea typeface="Calibri" panose="020F0502020204030204" pitchFamily="34" charset="0"/>
+                <a:cs typeface="Calibri" panose="020F0502020204030204" pitchFamily="34" charset="0"/>
               </a:rPr>
               <a:t>Come to the Lord; come with us as we go.</a:t>
             </a:r>
           </a:p>
           <a:p>
             <a:pPr marL="114300" indent="0">
-              <a:spcBef>
-                <a:spcPts val="0"/>
-              </a:spcBef>
+              <a:lnSpc>
+                <a:spcPct val="100000"/>
+              </a:lnSpc>
+              <a:spcBef>
+                <a:spcPct val="0"/>
+              </a:spcBef>
+              <a:spcAft>
+                <a:spcPct val="0"/>
+              </a:spcAft>
               <a:buNone/>
             </a:pPr>
             <a:r>
@@ -16074,57 +16165,46 @@
                 <a:solidFill>
                   <a:schemeClr val="bg1"/>
                 </a:solidFill>
+                <a:latin typeface="Calibri" panose="020F0502020204030204" pitchFamily="34" charset="0"/>
+                <a:ea typeface="Calibri" panose="020F0502020204030204" pitchFamily="34" charset="0"/>
+                <a:cs typeface="Calibri" panose="020F0502020204030204" pitchFamily="34" charset="0"/>
               </a:rPr>
-              <a:t>Come to the Lord; this bread and wine we offer him,</a:t>
+              <a:t>Come to the Lord; this bread and wine we offer him, Bread for his body, wine to be his blood.</a:t>
             </a:r>
           </a:p>
           <a:p>
             <a:pPr marL="114300" indent="0">
-              <a:spcBef>
-                <a:spcPts val="0"/>
-              </a:spcBef>
+              <a:lnSpc>
+                <a:spcPct val="100000"/>
+              </a:lnSpc>
+              <a:spcBef>
+                <a:spcPct val="0"/>
+              </a:spcBef>
+              <a:spcAft>
+                <a:spcPct val="0"/>
+              </a:spcAft>
               <a:buNone/>
             </a:pPr>
-            <a:r>
-              <a:rPr lang="en-GB" sz="3600" b="1" i="1" dirty="0">
-                <a:solidFill>
-                  <a:schemeClr val="bg1"/>
-                </a:solidFill>
-              </a:rPr>
-              <a:t>Bread for his body, wine to be his blood.</a:t>
-            </a:r>
-          </a:p>
-          <a:p>
-            <a:pPr marL="114300" indent="0">
-              <a:spcBef>
-                <a:spcPts val="0"/>
-              </a:spcBef>
-              <a:buNone/>
-            </a:pPr>
-            <a:endParaRPr lang="en-GB" sz="3600" b="1" i="1" dirty="0">
+            <a:endParaRPr lang="en-GB" sz="3600" b="1" dirty="0">
               <a:solidFill>
                 <a:schemeClr val="bg1"/>
               </a:solidFill>
+              <a:latin typeface="Calibri" panose="020F0502020204030204" pitchFamily="34" charset="0"/>
+              <a:ea typeface="Calibri" panose="020F0502020204030204" pitchFamily="34" charset="0"/>
+              <a:cs typeface="Calibri" panose="020F0502020204030204" pitchFamily="34" charset="0"/>
             </a:endParaRPr>
           </a:p>
           <a:p>
             <a:pPr marL="114300" indent="0">
-              <a:spcBef>
-                <a:spcPts val="0"/>
-              </a:spcBef>
-              <a:buNone/>
-            </a:pPr>
-            <a:endParaRPr lang="en-GB" sz="3600" b="1" i="1" dirty="0">
-              <a:solidFill>
-                <a:schemeClr val="bg1"/>
-              </a:solidFill>
-            </a:endParaRPr>
-          </a:p>
-          <a:p>
-            <a:pPr marL="114300" indent="0">
-              <a:spcBef>
-                <a:spcPts val="0"/>
-              </a:spcBef>
+              <a:lnSpc>
+                <a:spcPct val="100000"/>
+              </a:lnSpc>
+              <a:spcBef>
+                <a:spcPct val="0"/>
+              </a:spcBef>
+              <a:spcAft>
+                <a:spcPct val="0"/>
+              </a:spcAft>
               <a:buNone/>
             </a:pPr>
             <a:r>
@@ -16132,15 +16212,24 @@
                 <a:solidFill>
                   <a:schemeClr val="bg1"/>
                 </a:solidFill>
+                <a:latin typeface="Calibri" panose="020F0502020204030204" pitchFamily="34" charset="0"/>
+                <a:ea typeface="Calibri" panose="020F0502020204030204" pitchFamily="34" charset="0"/>
+                <a:cs typeface="Calibri" panose="020F0502020204030204" pitchFamily="34" charset="0"/>
               </a:rPr>
               <a:t>New life he’ll give us, our strength renew,</a:t>
             </a:r>
           </a:p>
           <a:p>
             <a:pPr marL="114300" indent="0">
-              <a:spcBef>
-                <a:spcPts val="0"/>
-              </a:spcBef>
+              <a:lnSpc>
+                <a:spcPct val="100000"/>
+              </a:lnSpc>
+              <a:spcBef>
+                <a:spcPct val="0"/>
+              </a:spcBef>
+              <a:spcAft>
+                <a:spcPct val="0"/>
+              </a:spcAft>
               <a:buNone/>
             </a:pPr>
             <a:r>
@@ -16148,20 +16237,49 @@
                 <a:solidFill>
                   <a:schemeClr val="bg1"/>
                 </a:solidFill>
+                <a:latin typeface="Calibri" panose="020F0502020204030204" pitchFamily="34" charset="0"/>
+                <a:ea typeface="Calibri" panose="020F0502020204030204" pitchFamily="34" charset="0"/>
+                <a:cs typeface="Calibri" panose="020F0502020204030204" pitchFamily="34" charset="0"/>
               </a:rPr>
-              <a:t>And by his presence, his Spirit in our lives will grow.</a:t>
+              <a:t>And by his presence, his Spirit in our </a:t>
             </a:r>
-            <a:endParaRPr lang="en-GB" sz="3600" b="1" i="1" dirty="0">
-              <a:solidFill>
-                <a:schemeClr val="bg1"/>
-              </a:solidFill>
-            </a:endParaRPr>
+          </a:p>
+          <a:p>
+            <a:pPr marL="114300" indent="0">
+              <a:lnSpc>
+                <a:spcPct val="100000"/>
+              </a:lnSpc>
+              <a:spcBef>
+                <a:spcPct val="0"/>
+              </a:spcBef>
+              <a:spcAft>
+                <a:spcPct val="0"/>
+              </a:spcAft>
+              <a:buNone/>
+            </a:pPr>
+            <a:r>
+              <a:rPr lang="en-GB" sz="3600" b="1" dirty="0">
+                <a:solidFill>
+                  <a:schemeClr val="bg1"/>
+                </a:solidFill>
+                <a:latin typeface="Calibri" panose="020F0502020204030204" pitchFamily="34" charset="0"/>
+                <a:ea typeface="Calibri" panose="020F0502020204030204" pitchFamily="34" charset="0"/>
+                <a:cs typeface="Calibri" panose="020F0502020204030204" pitchFamily="34" charset="0"/>
+              </a:rPr>
+              <a:t>lives will grow.</a:t>
+            </a:r>
           </a:p>
         </p:txBody>
       </p:sp>
       <p:sp>
         <p:nvSpPr>
-          <p:cNvPr id="131" name="Google Shape;131;p25"/>
+          <p:cNvPr id="131" name="Google Shape;131;p25">
+            <a:extLst>
+              <a:ext uri="{FF2B5EF4-FFF2-40B4-BE49-F238E27FC236}">
+                <a16:creationId xmlns:a16="http://schemas.microsoft.com/office/drawing/2014/main" id="{C1C20CEA-734D-AFE8-D102-22FA0AFD0AF3}"/>
+              </a:ext>
+            </a:extLst>
+          </p:cNvPr>
           <p:cNvSpPr txBox="1"/>
           <p:nvPr/>
         </p:nvSpPr>
@@ -16184,19 +16302,11 @@
           </a:bodyPr>
           <a:lstStyle/>
           <a:p>
-            <a:pPr marL="0" lvl="0" indent="0" algn="l" rtl="0">
-              <a:spcBef>
-                <a:spcPts val="0"/>
-              </a:spcBef>
-              <a:spcAft>
-                <a:spcPts val="0"/>
-              </a:spcAft>
+            <a:pPr>
               <a:buClr>
                 <a:schemeClr val="lt1"/>
               </a:buClr>
               <a:buSzPts val="3200"/>
-              <a:buFont typeface="Arial"/>
-              <a:buNone/>
             </a:pPr>
             <a:r>
               <a:rPr lang="en-GB" sz="3600" b="1" i="1" dirty="0">
@@ -16206,16 +16316,23 @@
                 <a:latin typeface="Calibri"/>
                 <a:ea typeface="Calibri"/>
                 <a:cs typeface="Calibri"/>
+                <a:sym typeface="Calibri"/>
               </a:rPr>
               <a:t>contd..</a:t>
             </a:r>
+            <a:endParaRPr lang="en-GB" sz="3600" dirty="0">
+              <a:latin typeface="Calibri"/>
+              <a:ea typeface="Calibri"/>
+              <a:cs typeface="Calibri"/>
+              <a:sym typeface="Calibri"/>
+            </a:endParaRPr>
           </a:p>
         </p:txBody>
       </p:sp>
     </p:spTree>
     <p:extLst>
       <p:ext uri="{BB962C8B-B14F-4D97-AF65-F5344CB8AC3E}">
-        <p14:creationId xmlns:p14="http://schemas.microsoft.com/office/powerpoint/2010/main" val="1765622395"/>
+        <p14:creationId xmlns:p14="http://schemas.microsoft.com/office/powerpoint/2010/main" val="111501609"/>
       </p:ext>
     </p:extLst>
   </p:cSld>
@@ -16238,7 +16355,13 @@
     </p:bg>
     <p:spTree>
       <p:nvGrpSpPr>
-        <p:cNvPr id="1" name="Shape 128"/>
+        <p:cNvPr id="1" name="Shape 128">
+          <a:extLst>
+            <a:ext uri="{FF2B5EF4-FFF2-40B4-BE49-F238E27FC236}">
+              <a16:creationId xmlns:a16="http://schemas.microsoft.com/office/drawing/2014/main" id="{3378E189-D01C-C27F-A873-49D026B5E8C9}"/>
+            </a:ext>
+          </a:extLst>
+        </p:cNvPr>
         <p:cNvGrpSpPr/>
         <p:nvPr/>
       </p:nvGrpSpPr>
@@ -16252,7 +16375,13 @@
       </p:grpSpPr>
       <p:sp>
         <p:nvSpPr>
-          <p:cNvPr id="129" name="Google Shape;129;p25"/>
+          <p:cNvPr id="129" name="Google Shape;129;p25">
+            <a:extLst>
+              <a:ext uri="{FF2B5EF4-FFF2-40B4-BE49-F238E27FC236}">
+                <a16:creationId xmlns:a16="http://schemas.microsoft.com/office/drawing/2014/main" id="{808FA16C-E6A4-FB21-114D-F40B38E55621}"/>
+              </a:ext>
+            </a:extLst>
+          </p:cNvPr>
           <p:cNvSpPr txBox="1">
             <a:spLocks noGrp="1"/>
           </p:cNvSpPr>
@@ -16283,22 +16412,23 @@
             <a:r>
               <a:rPr lang="en-GB" sz="3200" b="1" u="sng" dirty="0">
                 <a:solidFill>
-                  <a:schemeClr val="lt1"/>
+                  <a:schemeClr val="bg1"/>
                 </a:solidFill>
               </a:rPr>
               <a:t>COME TO THE LORD</a:t>
             </a:r>
-            <a:endParaRPr lang="en-US" dirty="0">
-              <a:solidFill>
-                <a:schemeClr val="lt1"/>
-              </a:solidFill>
-            </a:endParaRPr>
           </a:p>
         </p:txBody>
       </p:sp>
       <p:sp>
         <p:nvSpPr>
-          <p:cNvPr id="130" name="Google Shape;130;p25"/>
+          <p:cNvPr id="130" name="Google Shape;130;p25">
+            <a:extLst>
+              <a:ext uri="{FF2B5EF4-FFF2-40B4-BE49-F238E27FC236}">
+                <a16:creationId xmlns:a16="http://schemas.microsoft.com/office/drawing/2014/main" id="{7A181548-06BB-5DF0-24AD-7879A7ACF7DE}"/>
+              </a:ext>
+            </a:extLst>
+          </p:cNvPr>
           <p:cNvSpPr txBox="1">
             <a:spLocks noGrp="1"/>
           </p:cNvSpPr>
@@ -16326,9 +16456,15 @@
           <a:lstStyle/>
           <a:p>
             <a:pPr marL="114300" indent="0">
-              <a:spcBef>
-                <a:spcPts val="0"/>
-              </a:spcBef>
+              <a:lnSpc>
+                <a:spcPct val="100000"/>
+              </a:lnSpc>
+              <a:spcBef>
+                <a:spcPct val="0"/>
+              </a:spcBef>
+              <a:spcAft>
+                <a:spcPct val="0"/>
+              </a:spcAft>
               <a:buNone/>
             </a:pPr>
             <a:r>
@@ -16336,15 +16472,24 @@
                 <a:solidFill>
                   <a:schemeClr val="bg1"/>
                 </a:solidFill>
+                <a:latin typeface="Calibri" panose="020F0502020204030204" pitchFamily="34" charset="0"/>
+                <a:ea typeface="Calibri" panose="020F0502020204030204" pitchFamily="34" charset="0"/>
+                <a:cs typeface="Calibri" panose="020F0502020204030204" pitchFamily="34" charset="0"/>
               </a:rPr>
               <a:t>Come to the Lord; come join us in this offering,</a:t>
             </a:r>
           </a:p>
           <a:p>
             <a:pPr marL="114300" indent="0">
-              <a:spcBef>
-                <a:spcPts val="0"/>
-              </a:spcBef>
+              <a:lnSpc>
+                <a:spcPct val="100000"/>
+              </a:lnSpc>
+              <a:spcBef>
+                <a:spcPct val="0"/>
+              </a:spcBef>
+              <a:spcAft>
+                <a:spcPct val="0"/>
+              </a:spcAft>
               <a:buNone/>
             </a:pPr>
             <a:r>
@@ -16352,15 +16497,24 @@
                 <a:solidFill>
                   <a:schemeClr val="bg1"/>
                 </a:solidFill>
+                <a:latin typeface="Calibri" panose="020F0502020204030204" pitchFamily="34" charset="0"/>
+                <a:ea typeface="Calibri" panose="020F0502020204030204" pitchFamily="34" charset="0"/>
+                <a:cs typeface="Calibri" panose="020F0502020204030204" pitchFamily="34" charset="0"/>
               </a:rPr>
               <a:t>Come to the Lord; come with us as we go.</a:t>
             </a:r>
           </a:p>
           <a:p>
             <a:pPr marL="114300" indent="0">
-              <a:spcBef>
-                <a:spcPts val="0"/>
-              </a:spcBef>
+              <a:lnSpc>
+                <a:spcPct val="100000"/>
+              </a:lnSpc>
+              <a:spcBef>
+                <a:spcPct val="0"/>
+              </a:spcBef>
+              <a:spcAft>
+                <a:spcPct val="0"/>
+              </a:spcAft>
               <a:buNone/>
             </a:pPr>
             <a:r>
@@ -16368,57 +16522,46 @@
                 <a:solidFill>
                   <a:schemeClr val="bg1"/>
                 </a:solidFill>
+                <a:latin typeface="Calibri" panose="020F0502020204030204" pitchFamily="34" charset="0"/>
+                <a:ea typeface="Calibri" panose="020F0502020204030204" pitchFamily="34" charset="0"/>
+                <a:cs typeface="Calibri" panose="020F0502020204030204" pitchFamily="34" charset="0"/>
               </a:rPr>
-              <a:t>Come to the Lord; this bread and wine we offer him,</a:t>
+              <a:t>Come to the Lord; this bread and wine we offer him, Bread for his body, wine to be his blood.</a:t>
             </a:r>
           </a:p>
           <a:p>
             <a:pPr marL="114300" indent="0">
-              <a:spcBef>
-                <a:spcPts val="0"/>
-              </a:spcBef>
+              <a:lnSpc>
+                <a:spcPct val="100000"/>
+              </a:lnSpc>
+              <a:spcBef>
+                <a:spcPct val="0"/>
+              </a:spcBef>
+              <a:spcAft>
+                <a:spcPct val="0"/>
+              </a:spcAft>
               <a:buNone/>
             </a:pPr>
-            <a:r>
-              <a:rPr lang="en-GB" sz="3600" b="1" i="1" dirty="0">
-                <a:solidFill>
-                  <a:schemeClr val="bg1"/>
-                </a:solidFill>
-              </a:rPr>
-              <a:t>Bread for his body, wine to be his blood.</a:t>
-            </a:r>
-          </a:p>
-          <a:p>
-            <a:pPr marL="114300" indent="0">
-              <a:spcBef>
-                <a:spcPts val="0"/>
-              </a:spcBef>
-              <a:buNone/>
-            </a:pPr>
-            <a:endParaRPr lang="en-GB" sz="3600" b="1" i="1" dirty="0">
+            <a:endParaRPr lang="en-GB" sz="3600" b="1" dirty="0">
               <a:solidFill>
                 <a:schemeClr val="bg1"/>
               </a:solidFill>
+              <a:latin typeface="Calibri" panose="020F0502020204030204" pitchFamily="34" charset="0"/>
+              <a:ea typeface="Calibri" panose="020F0502020204030204" pitchFamily="34" charset="0"/>
+              <a:cs typeface="Calibri" panose="020F0502020204030204" pitchFamily="34" charset="0"/>
             </a:endParaRPr>
           </a:p>
           <a:p>
             <a:pPr marL="114300" indent="0">
-              <a:spcBef>
-                <a:spcPts val="0"/>
-              </a:spcBef>
-              <a:buNone/>
-            </a:pPr>
-            <a:endParaRPr lang="en-GB" sz="3600" b="1" i="1" dirty="0">
-              <a:solidFill>
-                <a:schemeClr val="bg1"/>
-              </a:solidFill>
-            </a:endParaRPr>
-          </a:p>
-          <a:p>
-            <a:pPr marL="114300" indent="0">
-              <a:spcBef>
-                <a:spcPts val="0"/>
-              </a:spcBef>
+              <a:lnSpc>
+                <a:spcPct val="100000"/>
+              </a:lnSpc>
+              <a:spcBef>
+                <a:spcPct val="0"/>
+              </a:spcBef>
+              <a:spcAft>
+                <a:spcPct val="0"/>
+              </a:spcAft>
               <a:buNone/>
             </a:pPr>
             <a:r>
@@ -16426,20 +16569,24 @@
                 <a:solidFill>
                   <a:schemeClr val="bg1"/>
                 </a:solidFill>
+                <a:latin typeface="Calibri" panose="020F0502020204030204" pitchFamily="34" charset="0"/>
+                <a:ea typeface="Calibri" panose="020F0502020204030204" pitchFamily="34" charset="0"/>
+                <a:cs typeface="Calibri" panose="020F0502020204030204" pitchFamily="34" charset="0"/>
               </a:rPr>
               <a:t>He’s paid our ransom, the price of sin,</a:t>
             </a:r>
-            <a:endParaRPr lang="en-GB" dirty="0">
-              <a:solidFill>
-                <a:schemeClr val="bg1"/>
-              </a:solidFill>
-            </a:endParaRPr>
           </a:p>
           <a:p>
             <a:pPr marL="114300" indent="0">
-              <a:spcBef>
-                <a:spcPts val="0"/>
-              </a:spcBef>
+              <a:lnSpc>
+                <a:spcPct val="100000"/>
+              </a:lnSpc>
+              <a:spcBef>
+                <a:spcPct val="0"/>
+              </a:spcBef>
+              <a:spcAft>
+                <a:spcPct val="0"/>
+              </a:spcAft>
               <a:buNone/>
             </a:pPr>
             <a:r>
@@ -16447,20 +16594,49 @@
                 <a:solidFill>
                   <a:schemeClr val="bg1"/>
                 </a:solidFill>
+                <a:latin typeface="Calibri" panose="020F0502020204030204" pitchFamily="34" charset="0"/>
+                <a:ea typeface="Calibri" panose="020F0502020204030204" pitchFamily="34" charset="0"/>
+                <a:cs typeface="Calibri" panose="020F0502020204030204" pitchFamily="34" charset="0"/>
               </a:rPr>
-              <a:t>He’s opened heaven that we might enter in, so...</a:t>
+              <a:t>He’s opened heaven that we might enter</a:t>
             </a:r>
-            <a:endParaRPr lang="en-GB" sz="3600" b="1" i="1" dirty="0">
-              <a:solidFill>
-                <a:schemeClr val="bg1"/>
-              </a:solidFill>
-            </a:endParaRPr>
+          </a:p>
+          <a:p>
+            <a:pPr marL="114300" indent="0">
+              <a:lnSpc>
+                <a:spcPct val="100000"/>
+              </a:lnSpc>
+              <a:spcBef>
+                <a:spcPct val="0"/>
+              </a:spcBef>
+              <a:spcAft>
+                <a:spcPct val="0"/>
+              </a:spcAft>
+              <a:buNone/>
+            </a:pPr>
+            <a:r>
+              <a:rPr lang="en-GB" sz="3600" b="1" dirty="0">
+                <a:solidFill>
+                  <a:schemeClr val="bg1"/>
+                </a:solidFill>
+                <a:latin typeface="Calibri" panose="020F0502020204030204" pitchFamily="34" charset="0"/>
+                <a:ea typeface="Calibri" panose="020F0502020204030204" pitchFamily="34" charset="0"/>
+                <a:cs typeface="Calibri" panose="020F0502020204030204" pitchFamily="34" charset="0"/>
+              </a:rPr>
+              <a:t>in, so…</a:t>
+            </a:r>
           </a:p>
         </p:txBody>
       </p:sp>
       <p:sp>
         <p:nvSpPr>
-          <p:cNvPr id="131" name="Google Shape;131;p25"/>
+          <p:cNvPr id="131" name="Google Shape;131;p25">
+            <a:extLst>
+              <a:ext uri="{FF2B5EF4-FFF2-40B4-BE49-F238E27FC236}">
+                <a16:creationId xmlns:a16="http://schemas.microsoft.com/office/drawing/2014/main" id="{52DA7D8B-40DE-82F8-F735-DEDCFAE688D1}"/>
+              </a:ext>
+            </a:extLst>
+          </p:cNvPr>
           <p:cNvSpPr txBox="1"/>
           <p:nvPr/>
         </p:nvSpPr>
@@ -16483,27 +16659,17 @@
           </a:bodyPr>
           <a:lstStyle/>
           <a:p>
-            <a:pPr marL="0" lvl="0" indent="0" algn="l" rtl="0">
-              <a:spcBef>
-                <a:spcPts val="0"/>
-              </a:spcBef>
-              <a:spcAft>
-                <a:spcPts val="0"/>
-              </a:spcAft>
+            <a:pPr>
               <a:buClr>
                 <a:schemeClr val="lt1"/>
               </a:buClr>
               <a:buSzPts val="3200"/>
-              <a:buFont typeface="Arial"/>
-              <a:buNone/>
             </a:pPr>
-            <a:endParaRPr lang="en-GB" sz="3600" b="1" i="1" dirty="0">
-              <a:solidFill>
-                <a:srgbClr val="FFFF00"/>
-              </a:solidFill>
+            <a:endParaRPr lang="en-GB" sz="3600" dirty="0">
               <a:latin typeface="Calibri"/>
               <a:ea typeface="Calibri"/>
               <a:cs typeface="Calibri"/>
+              <a:sym typeface="Calibri"/>
             </a:endParaRPr>
           </a:p>
         </p:txBody>
@@ -16511,7 +16677,7 @@
     </p:spTree>
     <p:extLst>
       <p:ext uri="{BB962C8B-B14F-4D97-AF65-F5344CB8AC3E}">
-        <p14:creationId xmlns:p14="http://schemas.microsoft.com/office/powerpoint/2010/main" val="3904714993"/>
+        <p14:creationId xmlns:p14="http://schemas.microsoft.com/office/powerpoint/2010/main" val="3508841878"/>
       </p:ext>
     </p:extLst>
   </p:cSld>
